--- a/Sesión 1 - GIT/A2. Básico GIT.pptx
+++ b/Sesión 1 - GIT/A2. Básico GIT.pptx
@@ -5,7 +5,7 @@
     <p:sldMasterId id="2147483663" r:id="rId1"/>
   </p:sldMasterIdLst>
   <p:notesMasterIdLst>
-    <p:notesMasterId r:id="rId64"/>
+    <p:notesMasterId r:id="rId65"/>
   </p:notesMasterIdLst>
   <p:sldIdLst>
     <p:sldId id="298" r:id="rId2"/>
@@ -54,22 +54,23 @@
     <p:sldId id="365" r:id="rId45"/>
     <p:sldId id="320" r:id="rId46"/>
     <p:sldId id="278" r:id="rId47"/>
-    <p:sldId id="322" r:id="rId48"/>
-    <p:sldId id="305" r:id="rId49"/>
-    <p:sldId id="306" r:id="rId50"/>
-    <p:sldId id="307" r:id="rId51"/>
-    <p:sldId id="308" r:id="rId52"/>
-    <p:sldId id="309" r:id="rId53"/>
-    <p:sldId id="310" r:id="rId54"/>
-    <p:sldId id="311" r:id="rId55"/>
-    <p:sldId id="312" r:id="rId56"/>
-    <p:sldId id="313" r:id="rId57"/>
-    <p:sldId id="314" r:id="rId58"/>
-    <p:sldId id="315" r:id="rId59"/>
-    <p:sldId id="317" r:id="rId60"/>
-    <p:sldId id="318" r:id="rId61"/>
-    <p:sldId id="319" r:id="rId62"/>
-    <p:sldId id="316" r:id="rId63"/>
+    <p:sldId id="367" r:id="rId48"/>
+    <p:sldId id="322" r:id="rId49"/>
+    <p:sldId id="305" r:id="rId50"/>
+    <p:sldId id="306" r:id="rId51"/>
+    <p:sldId id="307" r:id="rId52"/>
+    <p:sldId id="308" r:id="rId53"/>
+    <p:sldId id="309" r:id="rId54"/>
+    <p:sldId id="310" r:id="rId55"/>
+    <p:sldId id="311" r:id="rId56"/>
+    <p:sldId id="312" r:id="rId57"/>
+    <p:sldId id="313" r:id="rId58"/>
+    <p:sldId id="314" r:id="rId59"/>
+    <p:sldId id="315" r:id="rId60"/>
+    <p:sldId id="317" r:id="rId61"/>
+    <p:sldId id="318" r:id="rId62"/>
+    <p:sldId id="319" r:id="rId63"/>
+    <p:sldId id="316" r:id="rId64"/>
   </p:sldIdLst>
   <p:sldSz cx="12192000" cy="6858000"/>
   <p:notesSz cx="6858000" cy="9144000"/>
@@ -1039,7 +1040,7 @@
           <a:p>
             <a:fld id="{1746D715-F302-4AEE-84BA-8B184C0E583B}" type="datetimeFigureOut">
               <a:rPr lang="es-CO" smtClean="0"/>
-              <a:t>24/07/20</a:t>
+              <a:t>25/07/20</a:t>
             </a:fld>
             <a:endParaRPr lang="es-CO"/>
           </a:p>
@@ -1247,7 +1248,7 @@
           <a:p>
             <a:fld id="{1746D715-F302-4AEE-84BA-8B184C0E583B}" type="datetimeFigureOut">
               <a:rPr lang="es-CO" smtClean="0"/>
-              <a:t>24/07/20</a:t>
+              <a:t>25/07/20</a:t>
             </a:fld>
             <a:endParaRPr lang="es-CO"/>
           </a:p>
@@ -1504,7 +1505,7 @@
           <a:p>
             <a:fld id="{1746D715-F302-4AEE-84BA-8B184C0E583B}" type="datetimeFigureOut">
               <a:rPr lang="es-CO" smtClean="0"/>
-              <a:t>24/07/20</a:t>
+              <a:t>25/07/20</a:t>
             </a:fld>
             <a:endParaRPr lang="es-CO"/>
           </a:p>
@@ -1679,7 +1680,7 @@
           <a:p>
             <a:fld id="{1746D715-F302-4AEE-84BA-8B184C0E583B}" type="datetimeFigureOut">
               <a:rPr lang="es-CO" smtClean="0"/>
-              <a:t>24/07/20</a:t>
+              <a:t>25/07/20</a:t>
             </a:fld>
             <a:endParaRPr lang="es-CO"/>
           </a:p>
@@ -2023,7 +2024,7 @@
           <a:p>
             <a:fld id="{1746D715-F302-4AEE-84BA-8B184C0E583B}" type="datetimeFigureOut">
               <a:rPr lang="es-CO" smtClean="0"/>
-              <a:t>24/07/20</a:t>
+              <a:t>25/07/20</a:t>
             </a:fld>
             <a:endParaRPr lang="es-CO"/>
           </a:p>
@@ -2299,7 +2300,7 @@
           <a:p>
             <a:fld id="{1746D715-F302-4AEE-84BA-8B184C0E583B}" type="datetimeFigureOut">
               <a:rPr lang="es-CO" smtClean="0"/>
-              <a:t>24/07/20</a:t>
+              <a:t>25/07/20</a:t>
             </a:fld>
             <a:endParaRPr lang="es-CO"/>
           </a:p>
@@ -2679,7 +2680,7 @@
           <a:p>
             <a:fld id="{1746D715-F302-4AEE-84BA-8B184C0E583B}" type="datetimeFigureOut">
               <a:rPr lang="es-CO" smtClean="0"/>
-              <a:t>24/07/20</a:t>
+              <a:t>25/07/20</a:t>
             </a:fld>
             <a:endParaRPr lang="es-CO"/>
           </a:p>
@@ -2798,7 +2799,7 @@
           <a:p>
             <a:fld id="{1746D715-F302-4AEE-84BA-8B184C0E583B}" type="datetimeFigureOut">
               <a:rPr lang="es-CO" smtClean="0"/>
-              <a:t>24/07/20</a:t>
+              <a:t>25/07/20</a:t>
             </a:fld>
             <a:endParaRPr lang="es-CO"/>
           </a:p>
@@ -2970,7 +2971,7 @@
           <a:p>
             <a:fld id="{1746D715-F302-4AEE-84BA-8B184C0E583B}" type="datetimeFigureOut">
               <a:rPr lang="es-CO" smtClean="0"/>
-              <a:t>24/07/20</a:t>
+              <a:t>25/07/20</a:t>
             </a:fld>
             <a:endParaRPr lang="es-CO"/>
           </a:p>
@@ -3325,7 +3326,7 @@
           <a:p>
             <a:fld id="{1746D715-F302-4AEE-84BA-8B184C0E583B}" type="datetimeFigureOut">
               <a:rPr lang="es-CO" smtClean="0"/>
-              <a:t>24/07/20</a:t>
+              <a:t>25/07/20</a:t>
             </a:fld>
             <a:endParaRPr lang="es-CO"/>
           </a:p>
@@ -3708,7 +3709,7 @@
           <a:p>
             <a:fld id="{1746D715-F302-4AEE-84BA-8B184C0E583B}" type="datetimeFigureOut">
               <a:rPr lang="es-CO" smtClean="0"/>
-              <a:t>24/07/20</a:t>
+              <a:t>25/07/20</a:t>
             </a:fld>
             <a:endParaRPr lang="es-CO"/>
           </a:p>
@@ -3996,7 +3997,7 @@
           <a:p>
             <a:fld id="{1746D715-F302-4AEE-84BA-8B184C0E583B}" type="datetimeFigureOut">
               <a:rPr lang="es-CO" smtClean="0"/>
-              <a:t>24/07/20</a:t>
+              <a:t>25/07/20</a:t>
             </a:fld>
             <a:endParaRPr lang="es-CO"/>
           </a:p>
@@ -48929,7 +48930,7 @@
             <a:spLocks noGrp="1"/>
           </p:cNvSpPr>
           <p:nvPr>
-            <p:ph type="ctrTitle"/>
+            <p:ph type="title"/>
           </p:nvPr>
         </p:nvSpPr>
         <p:spPr/>
@@ -48938,8 +48939,12 @@
           <a:lstStyle/>
           <a:p>
             <a:r>
+              <a:rPr lang="es-ES" dirty="0" err="1"/>
+              <a:t>Git</a:t>
+            </a:r>
+            <a:r>
               <a:rPr lang="es-ES" dirty="0"/>
-              <a:t>Comandos básicos</a:t>
+              <a:t> Ignore</a:t>
             </a:r>
             <a:endParaRPr lang="es-CO" dirty="0"/>
           </a:p>
@@ -48947,20 +48952,171 @@
       </p:sp>
       <p:sp>
         <p:nvSpPr>
-          <p:cNvPr id="3" name="Subtítulo 2"/>
+          <p:cNvPr id="3" name="Marcador de contenido 2"/>
           <p:cNvSpPr>
             <a:spLocks noGrp="1"/>
           </p:cNvSpPr>
           <p:nvPr>
-            <p:ph type="subTitle" idx="1"/>
+            <p:ph idx="1"/>
           </p:nvPr>
         </p:nvSpPr>
-        <p:spPr/>
-        <p:txBody>
-          <a:bodyPr/>
-          <a:lstStyle/>
-          <a:p>
-            <a:endParaRPr lang="es-CO"/>
+        <p:spPr>
+          <a:xfrm>
+            <a:off x="1097280" y="1845733"/>
+            <a:ext cx="10058400" cy="4439563"/>
+          </a:xfrm>
+        </p:spPr>
+        <p:txBody>
+          <a:bodyPr>
+            <a:normAutofit/>
+          </a:bodyPr>
+          <a:lstStyle/>
+          <a:p>
+            <a:pPr marL="0" indent="0">
+              <a:buNone/>
+            </a:pPr>
+            <a:r>
+              <a:rPr lang="es-ES" dirty="0"/>
+              <a:t>Si un archivo YA ESTA EN SEGUIMIENTO, no lo podemos incluir en </a:t>
+            </a:r>
+            <a:r>
+              <a:rPr lang="es-ES" dirty="0" err="1"/>
+              <a:t>gitignore</a:t>
+            </a:r>
+            <a:r>
+              <a:rPr lang="es-ES" dirty="0"/>
+              <a:t>.</a:t>
+            </a:r>
+          </a:p>
+          <a:p>
+            <a:pPr marL="0" indent="0">
+              <a:buNone/>
+            </a:pPr>
+            <a:endParaRPr lang="es-ES" dirty="0"/>
+          </a:p>
+          <a:p>
+            <a:pPr marL="0" indent="0">
+              <a:buNone/>
+            </a:pPr>
+            <a:r>
+              <a:rPr lang="es-ES" dirty="0"/>
+              <a:t>Para poder ignorar cierto archivo, debemos dejar de seguirlo usando:</a:t>
+            </a:r>
+          </a:p>
+          <a:p>
+            <a:pPr marL="0" indent="0">
+              <a:buNone/>
+            </a:pPr>
+            <a:r>
+              <a:rPr lang="es-ES" b="1" dirty="0" err="1"/>
+              <a:t>git</a:t>
+            </a:r>
+            <a:r>
+              <a:rPr lang="es-ES" b="1" dirty="0"/>
+              <a:t> </a:t>
+            </a:r>
+            <a:r>
+              <a:rPr lang="es-ES" b="1" dirty="0" err="1"/>
+              <a:t>rm</a:t>
+            </a:r>
+            <a:r>
+              <a:rPr lang="es-ES" b="1" dirty="0"/>
+              <a:t> –</a:t>
+            </a:r>
+            <a:r>
+              <a:rPr lang="es-ES" b="1" dirty="0" err="1"/>
+              <a:t>cached</a:t>
+            </a:r>
+            <a:r>
+              <a:rPr lang="es-ES" b="1" dirty="0"/>
+              <a:t> </a:t>
+            </a:r>
+            <a:r>
+              <a:rPr lang="es-ES" b="1" dirty="0" err="1"/>
+              <a:t>myfile.txt</a:t>
+            </a:r>
+            <a:endParaRPr lang="es-ES" b="1" dirty="0"/>
+          </a:p>
+          <a:p>
+            <a:pPr marL="0" indent="0">
+              <a:buNone/>
+            </a:pPr>
+            <a:r>
+              <a:rPr lang="es-ES" dirty="0"/>
+              <a:t>Para que deje de ser seguido por GIT y ya podemos incluirlo en el GIT ignore</a:t>
+            </a:r>
+          </a:p>
+          <a:p>
+            <a:pPr marL="0" indent="0">
+              <a:buNone/>
+            </a:pPr>
+            <a:endParaRPr lang="es-ES" dirty="0"/>
+          </a:p>
+          <a:p>
+            <a:pPr marL="0" indent="0">
+              <a:buNone/>
+            </a:pPr>
+            <a:r>
+              <a:rPr lang="es-ES" dirty="0"/>
+              <a:t>Si queremos hacer el </a:t>
+            </a:r>
+            <a:r>
+              <a:rPr lang="es-ES" b="1" i="1" dirty="0" err="1"/>
+              <a:t>untracking</a:t>
+            </a:r>
+            <a:r>
+              <a:rPr lang="es-ES" dirty="0"/>
+              <a:t> de una carpeta podemos usar:</a:t>
+            </a:r>
+          </a:p>
+          <a:p>
+            <a:pPr marL="0" indent="0">
+              <a:buNone/>
+            </a:pPr>
+            <a:r>
+              <a:rPr lang="es-ES" b="1" dirty="0" err="1"/>
+              <a:t>git</a:t>
+            </a:r>
+            <a:r>
+              <a:rPr lang="es-ES" b="1" dirty="0"/>
+              <a:t> </a:t>
+            </a:r>
+            <a:r>
+              <a:rPr lang="es-ES" b="1" dirty="0" err="1"/>
+              <a:t>rm</a:t>
+            </a:r>
+            <a:r>
+              <a:rPr lang="es-ES" b="1" dirty="0"/>
+              <a:t> –</a:t>
+            </a:r>
+            <a:r>
+              <a:rPr lang="es-ES" b="1" dirty="0" err="1"/>
+              <a:t>cached</a:t>
+            </a:r>
+            <a:r>
+              <a:rPr lang="es-ES" b="1" dirty="0"/>
+              <a:t> </a:t>
+            </a:r>
+            <a:r>
+              <a:rPr lang="es-ES" b="1" dirty="0" err="1"/>
+              <a:t>myfolder</a:t>
+            </a:r>
+            <a:r>
+              <a:rPr lang="es-ES" b="1" dirty="0"/>
+              <a:t>/*</a:t>
+            </a:r>
+          </a:p>
+          <a:p>
+            <a:pPr marL="0" indent="0">
+              <a:buNone/>
+            </a:pPr>
+            <a:endParaRPr lang="es-ES" b="1" i="1" dirty="0"/>
+          </a:p>
+          <a:p>
+            <a:pPr marL="0" indent="0">
+              <a:buNone/>
+            </a:pPr>
+            <a:endParaRPr lang="es-ES" b="1" i="1" dirty="0"/>
           </a:p>
         </p:txBody>
       </p:sp>
@@ -49008,7 +49164,7 @@
     </p:spTree>
     <p:extLst>
       <p:ext uri="{BB962C8B-B14F-4D97-AF65-F5344CB8AC3E}">
-        <p14:creationId xmlns:p14="http://schemas.microsoft.com/office/powerpoint/2010/main" val="3020269298"/>
+        <p14:creationId xmlns:p14="http://schemas.microsoft.com/office/powerpoint/2010/main" val="2159047088"/>
       </p:ext>
     </p:extLst>
   </p:cSld>
@@ -49042,7 +49198,7 @@
             <a:spLocks noGrp="1"/>
           </p:cNvSpPr>
           <p:nvPr>
-            <p:ph type="title"/>
+            <p:ph type="ctrTitle"/>
           </p:nvPr>
         </p:nvSpPr>
         <p:spPr/>
@@ -49060,12 +49216,12 @@
       </p:sp>
       <p:sp>
         <p:nvSpPr>
-          <p:cNvPr id="3" name="Marcador de contenido 2"/>
+          <p:cNvPr id="3" name="Subtítulo 2"/>
           <p:cNvSpPr>
             <a:spLocks noGrp="1"/>
           </p:cNvSpPr>
           <p:nvPr>
-            <p:ph idx="1"/>
+            <p:ph type="subTitle" idx="1"/>
           </p:nvPr>
         </p:nvSpPr>
         <p:spPr/>
@@ -49073,63 +49229,7 @@
           <a:bodyPr/>
           <a:lstStyle/>
           <a:p>
-            <a:pPr marL="0" indent="0">
-              <a:buNone/>
-            </a:pPr>
-            <a:r>
-              <a:rPr lang="es-ES" sz="3600" b="1" dirty="0" err="1">
-                <a:latin typeface="Consolas" panose="020B0609020204030204" pitchFamily="49" charset="0"/>
-              </a:rPr>
-              <a:t>git</a:t>
-            </a:r>
-            <a:r>
-              <a:rPr lang="es-ES" sz="3600" dirty="0">
-                <a:latin typeface="Consolas" panose="020B0609020204030204" pitchFamily="49" charset="0"/>
-              </a:rPr>
-              <a:t> </a:t>
-            </a:r>
-            <a:r>
-              <a:rPr lang="es-ES" sz="3600" dirty="0" err="1">
-                <a:latin typeface="Consolas" panose="020B0609020204030204" pitchFamily="49" charset="0"/>
-              </a:rPr>
-              <a:t>init</a:t>
-            </a:r>
-            <a:endParaRPr lang="es-ES" sz="3600" dirty="0">
-              <a:latin typeface="Consolas" panose="020B0609020204030204" pitchFamily="49" charset="0"/>
-            </a:endParaRPr>
-          </a:p>
-          <a:p>
-            <a:pPr marL="0" indent="0">
-              <a:buNone/>
-            </a:pPr>
-            <a:endParaRPr lang="es-ES" dirty="0"/>
-          </a:p>
-          <a:p>
-            <a:pPr marL="0" indent="0">
-              <a:buNone/>
-            </a:pPr>
-            <a:r>
-              <a:rPr lang="es-ES" dirty="0"/>
-              <a:t>	El comando permite hacerle seguimiento mediante GIT a la carpeta donde se escriba el 	comando</a:t>
-            </a:r>
-          </a:p>
-          <a:p>
-            <a:pPr marL="0" indent="0">
-              <a:buNone/>
-            </a:pPr>
-            <a:endParaRPr lang="es-ES" dirty="0"/>
-          </a:p>
-          <a:p>
-            <a:pPr marL="0" indent="0">
-              <a:buNone/>
-            </a:pPr>
-            <a:endParaRPr lang="es-ES" dirty="0"/>
-          </a:p>
-          <a:p>
-            <a:pPr marL="0" indent="0">
-              <a:buNone/>
-            </a:pPr>
-            <a:endParaRPr lang="es-CO" dirty="0"/>
+            <a:endParaRPr lang="es-CO"/>
           </a:p>
         </p:txBody>
       </p:sp>
@@ -49177,7 +49277,7 @@
     </p:spTree>
     <p:extLst>
       <p:ext uri="{BB962C8B-B14F-4D97-AF65-F5344CB8AC3E}">
-        <p14:creationId xmlns:p14="http://schemas.microsoft.com/office/powerpoint/2010/main" val="81044553"/>
+        <p14:creationId xmlns:p14="http://schemas.microsoft.com/office/powerpoint/2010/main" val="3020269298"/>
       </p:ext>
     </p:extLst>
   </p:cSld>
@@ -49255,8 +49355,17 @@
               <a:rPr lang="es-ES" sz="3600" dirty="0">
                 <a:latin typeface="Consolas" panose="020B0609020204030204" pitchFamily="49" charset="0"/>
               </a:rPr>
-              <a:t> status</a:t>
-            </a:r>
+              <a:t> </a:t>
+            </a:r>
+            <a:r>
+              <a:rPr lang="es-ES" sz="3600" dirty="0" err="1">
+                <a:latin typeface="Consolas" panose="020B0609020204030204" pitchFamily="49" charset="0"/>
+              </a:rPr>
+              <a:t>init</a:t>
+            </a:r>
+            <a:endParaRPr lang="es-ES" sz="3600" dirty="0">
+              <a:latin typeface="Consolas" panose="020B0609020204030204" pitchFamily="49" charset="0"/>
+            </a:endParaRPr>
           </a:p>
           <a:p>
             <a:pPr marL="0" indent="0">
@@ -49270,21 +49379,13 @@
             </a:pPr>
             <a:r>
               <a:rPr lang="es-ES" dirty="0"/>
-              <a:t>	Permite ver el estado de los archivos de la carpeta bajo seguimiento.</a:t>
+              <a:t>	El comando permite hacerle seguimiento mediante GIT a la carpeta donde se escriba el 	comando</a:t>
             </a:r>
           </a:p>
           <a:p>
             <a:pPr marL="0" indent="0">
               <a:buNone/>
             </a:pPr>
-            <a:r>
-              <a:rPr lang="es-ES" dirty="0"/>
-              <a:t>	En ROJO mostrará los archivos con cambios, con respecto a la </a:t>
-            </a:r>
-            <a:r>
-              <a:rPr lang="es-ES" b="1" i="1" dirty="0"/>
-              <a:t>versión actual</a:t>
-            </a:r>
             <a:endParaRPr lang="es-ES" dirty="0"/>
           </a:p>
           <a:p>
@@ -49345,7 +49446,7 @@
     </p:spTree>
     <p:extLst>
       <p:ext uri="{BB962C8B-B14F-4D97-AF65-F5344CB8AC3E}">
-        <p14:creationId xmlns:p14="http://schemas.microsoft.com/office/powerpoint/2010/main" val="1245564144"/>
+        <p14:creationId xmlns:p14="http://schemas.microsoft.com/office/powerpoint/2010/main" val="81044553"/>
       </p:ext>
     </p:extLst>
   </p:cSld>
@@ -49574,20 +49675,16 @@
               <a:buNone/>
             </a:pPr>
             <a:r>
-              <a:rPr lang="es-ES" sz="3600" b="1" dirty="0" err="1"/>
+              <a:rPr lang="es-ES" sz="3600" b="1" dirty="0" err="1">
+                <a:latin typeface="Consolas" panose="020B0609020204030204" pitchFamily="49" charset="0"/>
+              </a:rPr>
               <a:t>git</a:t>
             </a:r>
             <a:r>
-              <a:rPr lang="es-ES" sz="3600" dirty="0"/>
-              <a:t> </a:t>
-            </a:r>
-            <a:r>
-              <a:rPr lang="es-ES" sz="3600" dirty="0" err="1"/>
-              <a:t>add</a:t>
-            </a:r>
-            <a:r>
-              <a:rPr lang="es-ES" sz="3600" dirty="0"/>
-              <a:t> &lt;Nombre archivo&gt;</a:t>
+              <a:rPr lang="es-ES" sz="3600" dirty="0">
+                <a:latin typeface="Consolas" panose="020B0609020204030204" pitchFamily="49" charset="0"/>
+              </a:rPr>
+              <a:t> status</a:t>
             </a:r>
           </a:p>
           <a:p>
@@ -49602,7 +49699,7 @@
             </a:pPr>
             <a:r>
               <a:rPr lang="es-ES" dirty="0"/>
-              <a:t>	&lt;Nombre archivo&gt; puede reemplazarse por </a:t>
+              <a:t>	Permite ver el estado de los archivos de la carpeta bajo seguimiento.</a:t>
             </a:r>
           </a:p>
           <a:p>
@@ -49611,61 +49708,12 @@
             </a:pPr>
             <a:r>
               <a:rPr lang="es-ES" dirty="0"/>
-              <a:t>		"." o </a:t>
-            </a:r>
-          </a:p>
-          <a:p>
-            <a:pPr marL="0" indent="0">
-              <a:buNone/>
-            </a:pPr>
-            <a:r>
-              <a:rPr lang="es-ES" dirty="0"/>
-              <a:t>		"-A" o </a:t>
-            </a:r>
-          </a:p>
-          <a:p>
-            <a:pPr marL="0" indent="0">
-              <a:buNone/>
-            </a:pPr>
-            <a:r>
-              <a:rPr lang="es-ES" dirty="0"/>
-              <a:t>		"--</a:t>
-            </a:r>
-            <a:r>
-              <a:rPr lang="es-ES" dirty="0" err="1"/>
-              <a:t>all</a:t>
-            </a:r>
-            <a:r>
-              <a:rPr lang="es-ES" dirty="0"/>
-              <a:t>" </a:t>
-            </a:r>
-          </a:p>
-          <a:p>
-            <a:pPr marL="0" indent="0">
-              <a:buNone/>
-            </a:pPr>
-            <a:r>
-              <a:rPr lang="es-ES" dirty="0"/>
-              <a:t>	para enviar todos los cambios al </a:t>
-            </a:r>
-            <a:r>
-              <a:rPr lang="es-ES" b="1" i="1" dirty="0" err="1"/>
-              <a:t>stage</a:t>
+              <a:t>	En ROJO mostrará los archivos con cambios, con respecto a la </a:t>
             </a:r>
             <a:r>
               <a:rPr lang="es-ES" b="1" i="1" dirty="0"/>
-              <a:t> </a:t>
-            </a:r>
-            <a:r>
-              <a:rPr lang="es-ES" b="1" i="1" dirty="0" err="1"/>
-              <a:t>area</a:t>
-            </a:r>
-            <a:endParaRPr lang="es-ES" b="1" i="1" dirty="0"/>
-          </a:p>
-          <a:p>
-            <a:pPr marL="0" indent="0">
-              <a:buNone/>
-            </a:pPr>
+              <a:t>versión actual</a:t>
+            </a:r>
             <a:endParaRPr lang="es-ES" dirty="0"/>
           </a:p>
           <a:p>
@@ -49726,7 +49774,7 @@
     </p:spTree>
     <p:extLst>
       <p:ext uri="{BB962C8B-B14F-4D97-AF65-F5344CB8AC3E}">
-        <p14:creationId xmlns:p14="http://schemas.microsoft.com/office/powerpoint/2010/main" val="260418761"/>
+        <p14:creationId xmlns:p14="http://schemas.microsoft.com/office/powerpoint/2010/main" val="1245564144"/>
       </p:ext>
     </p:extLst>
   </p:cSld>
@@ -49823,7 +49871,7 @@
             </a:pPr>
             <a:r>
               <a:rPr lang="es-ES" dirty="0"/>
-              <a:t>	En &lt;Nombre archivo&gt; puede ir un archivo en particular como por ejemplo:</a:t>
+              <a:t>	&lt;Nombre archivo&gt; puede reemplazarse por </a:t>
             </a:r>
           </a:p>
           <a:p>
@@ -49832,7 +49880,7 @@
             </a:pPr>
             <a:r>
               <a:rPr lang="es-ES" dirty="0"/>
-              <a:t>		index.html</a:t>
+              <a:t>		"." o </a:t>
             </a:r>
           </a:p>
           <a:p>
@@ -49841,7 +49889,7 @@
             </a:pPr>
             <a:r>
               <a:rPr lang="es-ES" dirty="0"/>
-              <a:t>	O una carpeta como por ejemplo:</a:t>
+              <a:t>		"-A" o </a:t>
             </a:r>
           </a:p>
           <a:p>
@@ -49850,16 +49898,38 @@
             </a:pPr>
             <a:r>
               <a:rPr lang="es-ES" dirty="0"/>
-              <a:t>		</a:t>
+              <a:t>		"--</a:t>
             </a:r>
             <a:r>
               <a:rPr lang="es-ES" dirty="0" err="1"/>
-              <a:t>login</a:t>
+              <a:t>all</a:t>
             </a:r>
             <a:r>
               <a:rPr lang="es-ES" dirty="0"/>
-              <a:t>/</a:t>
-            </a:r>
+              <a:t>" </a:t>
+            </a:r>
+          </a:p>
+          <a:p>
+            <a:pPr marL="0" indent="0">
+              <a:buNone/>
+            </a:pPr>
+            <a:r>
+              <a:rPr lang="es-ES" dirty="0"/>
+              <a:t>	para enviar todos los cambios al </a:t>
+            </a:r>
+            <a:r>
+              <a:rPr lang="es-ES" b="1" i="1" dirty="0" err="1"/>
+              <a:t>stage</a:t>
+            </a:r>
+            <a:r>
+              <a:rPr lang="es-ES" b="1" i="1" dirty="0"/>
+              <a:t> </a:t>
+            </a:r>
+            <a:r>
+              <a:rPr lang="es-ES" b="1" i="1" dirty="0" err="1"/>
+              <a:t>area</a:t>
+            </a:r>
+            <a:endParaRPr lang="es-ES" b="1" i="1" dirty="0"/>
           </a:p>
           <a:p>
             <a:pPr marL="0" indent="0">
@@ -49925,7 +49995,7 @@
     </p:spTree>
     <p:extLst>
       <p:ext uri="{BB962C8B-B14F-4D97-AF65-F5344CB8AC3E}">
-        <p14:creationId xmlns:p14="http://schemas.microsoft.com/office/powerpoint/2010/main" val="446498969"/>
+        <p14:creationId xmlns:p14="http://schemas.microsoft.com/office/powerpoint/2010/main" val="260418761"/>
       </p:ext>
     </p:extLst>
   </p:cSld>
@@ -50022,7 +50092,7 @@
             </a:pPr>
             <a:r>
               <a:rPr lang="es-ES" dirty="0"/>
-              <a:t>	También puede usar una expresión regular como por ejemplo:</a:t>
+              <a:t>	En &lt;Nombre archivo&gt; puede ir un archivo en particular como por ejemplo:</a:t>
             </a:r>
           </a:p>
           <a:p>
@@ -50031,13 +50101,8 @@
             </a:pPr>
             <a:r>
               <a:rPr lang="es-ES" dirty="0"/>
-              <a:t>		*.</a:t>
-            </a:r>
-            <a:r>
-              <a:rPr lang="es-ES" dirty="0" err="1"/>
-              <a:t>html</a:t>
-            </a:r>
-            <a:endParaRPr lang="es-ES" dirty="0"/>
+              <a:t>		index.html</a:t>
+            </a:r>
           </a:p>
           <a:p>
             <a:pPr marL="0" indent="0">
@@ -50045,29 +50110,25 @@
             </a:pPr>
             <a:r>
               <a:rPr lang="es-ES" dirty="0"/>
-              <a:t>	Que agrega al </a:t>
+              <a:t>	O una carpeta como por ejemplo:</a:t>
+            </a:r>
+          </a:p>
+          <a:p>
+            <a:pPr marL="0" indent="0">
+              <a:buNone/>
+            </a:pPr>
+            <a:r>
+              <a:rPr lang="es-ES" dirty="0"/>
+              <a:t>		</a:t>
             </a:r>
             <a:r>
               <a:rPr lang="es-ES" dirty="0" err="1"/>
-              <a:t>stage</a:t>
+              <a:t>login</a:t>
             </a:r>
             <a:r>
               <a:rPr lang="es-ES" dirty="0"/>
-              <a:t> </a:t>
-            </a:r>
-            <a:r>
-              <a:rPr lang="es-ES" dirty="0" err="1"/>
-              <a:t>area</a:t>
-            </a:r>
-            <a:r>
-              <a:rPr lang="es-ES" dirty="0"/>
-              <a:t> todos los archivos que finalizan en .</a:t>
-            </a:r>
-            <a:r>
-              <a:rPr lang="es-ES" dirty="0" err="1"/>
-              <a:t>html</a:t>
-            </a:r>
-            <a:endParaRPr lang="es-ES" dirty="0"/>
+              <a:t>/</a:t>
+            </a:r>
           </a:p>
           <a:p>
             <a:pPr marL="0" indent="0">
@@ -50133,7 +50194,7 @@
     </p:spTree>
     <p:extLst>
       <p:ext uri="{BB962C8B-B14F-4D97-AF65-F5344CB8AC3E}">
-        <p14:creationId xmlns:p14="http://schemas.microsoft.com/office/powerpoint/2010/main" val="2691147545"/>
+        <p14:creationId xmlns:p14="http://schemas.microsoft.com/office/powerpoint/2010/main" val="446498969"/>
       </p:ext>
     </p:extLst>
   </p:cSld>
@@ -50211,7 +50272,7 @@
             </a:r>
             <a:r>
               <a:rPr lang="es-ES" sz="3600" dirty="0" err="1"/>
-              <a:t>reset</a:t>
+              <a:t>add</a:t>
             </a:r>
             <a:r>
               <a:rPr lang="es-ES" sz="3600" dirty="0"/>
@@ -50230,23 +50291,7 @@
             </a:pPr>
             <a:r>
               <a:rPr lang="es-ES" dirty="0"/>
-              <a:t>	Permite retirar archivos del </a:t>
-            </a:r>
-            <a:r>
-              <a:rPr lang="es-ES" b="1" i="1" dirty="0" err="1"/>
-              <a:t>staged</a:t>
-            </a:r>
-            <a:r>
-              <a:rPr lang="es-ES" b="1" i="1" dirty="0"/>
-              <a:t> </a:t>
-            </a:r>
-            <a:r>
-              <a:rPr lang="es-ES" b="1" i="1" dirty="0" err="1"/>
-              <a:t>area</a:t>
-            </a:r>
-            <a:r>
-              <a:rPr lang="es-ES" b="1" i="1" dirty="0"/>
-              <a:t>.</a:t>
+              <a:t>	También puede usar una expresión regular como por ejemplo:</a:t>
             </a:r>
           </a:p>
           <a:p>
@@ -50254,9 +50299,44 @@
               <a:buNone/>
             </a:pPr>
             <a:r>
-              <a:rPr lang="es-ES" b="1" i="1" dirty="0"/>
-              <a:t>	</a:t>
-            </a:r>
+              <a:rPr lang="es-ES" dirty="0"/>
+              <a:t>		*.</a:t>
+            </a:r>
+            <a:r>
+              <a:rPr lang="es-ES" dirty="0" err="1"/>
+              <a:t>html</a:t>
+            </a:r>
+            <a:endParaRPr lang="es-ES" dirty="0"/>
+          </a:p>
+          <a:p>
+            <a:pPr marL="0" indent="0">
+              <a:buNone/>
+            </a:pPr>
+            <a:r>
+              <a:rPr lang="es-ES" dirty="0"/>
+              <a:t>	Que agrega al </a:t>
+            </a:r>
+            <a:r>
+              <a:rPr lang="es-ES" dirty="0" err="1"/>
+              <a:t>stage</a:t>
+            </a:r>
+            <a:r>
+              <a:rPr lang="es-ES" dirty="0"/>
+              <a:t> </a:t>
+            </a:r>
+            <a:r>
+              <a:rPr lang="es-ES" dirty="0" err="1"/>
+              <a:t>area</a:t>
+            </a:r>
+            <a:r>
+              <a:rPr lang="es-ES" dirty="0"/>
+              <a:t> todos los archivos que finalizan en .</a:t>
+            </a:r>
+            <a:r>
+              <a:rPr lang="es-ES" dirty="0" err="1"/>
+              <a:t>html</a:t>
+            </a:r>
+            <a:endParaRPr lang="es-ES" dirty="0"/>
           </a:p>
           <a:p>
             <a:pPr marL="0" indent="0">
@@ -50322,7 +50402,7 @@
     </p:spTree>
     <p:extLst>
       <p:ext uri="{BB962C8B-B14F-4D97-AF65-F5344CB8AC3E}">
-        <p14:creationId xmlns:p14="http://schemas.microsoft.com/office/powerpoint/2010/main" val="1757766323"/>
+        <p14:creationId xmlns:p14="http://schemas.microsoft.com/office/powerpoint/2010/main" val="2691147545"/>
       </p:ext>
     </p:extLst>
   </p:cSld>
@@ -50400,19 +50480,11 @@
             </a:r>
             <a:r>
               <a:rPr lang="es-ES" sz="3600" dirty="0" err="1"/>
-              <a:t>commit</a:t>
+              <a:t>reset</a:t>
             </a:r>
             <a:r>
               <a:rPr lang="es-ES" sz="3600" dirty="0"/>
-              <a:t> -m "Mensaje del </a:t>
-            </a:r>
-            <a:r>
-              <a:rPr lang="es-ES" sz="3600" dirty="0" err="1"/>
-              <a:t>commit</a:t>
-            </a:r>
-            <a:r>
-              <a:rPr lang="es-ES" sz="3600" dirty="0"/>
-              <a:t>"</a:t>
+              <a:t> &lt;Nombre archivo&gt;</a:t>
             </a:r>
           </a:p>
           <a:p>
@@ -50427,11 +50499,11 @@
             </a:pPr>
             <a:r>
               <a:rPr lang="es-ES" dirty="0"/>
-              <a:t>	Permite pasar del </a:t>
+              <a:t>	Permite retirar archivos del </a:t>
             </a:r>
             <a:r>
               <a:rPr lang="es-ES" b="1" i="1" dirty="0" err="1"/>
-              <a:t>stage</a:t>
+              <a:t>staged</a:t>
             </a:r>
             <a:r>
               <a:rPr lang="es-ES" b="1" i="1" dirty="0"/>
@@ -50442,18 +50514,18 @@
               <a:t>area</a:t>
             </a:r>
             <a:r>
-              <a:rPr lang="es-ES" dirty="0"/>
-              <a:t> al </a:t>
-            </a:r>
-            <a:r>
               <a:rPr lang="es-ES" b="1" i="1" dirty="0"/>
-              <a:t>local </a:t>
-            </a:r>
-            <a:r>
-              <a:rPr lang="es-ES" b="1" i="1" dirty="0" err="1"/>
-              <a:t>repository</a:t>
-            </a:r>
-            <a:endParaRPr lang="es-ES" b="1" i="1" dirty="0"/>
+              <a:t>.</a:t>
+            </a:r>
+          </a:p>
+          <a:p>
+            <a:pPr marL="0" indent="0">
+              <a:buNone/>
+            </a:pPr>
+            <a:r>
+              <a:rPr lang="es-ES" b="1" i="1" dirty="0"/>
+              <a:t>	</a:t>
+            </a:r>
           </a:p>
           <a:p>
             <a:pPr marL="0" indent="0">
@@ -50519,7 +50591,7 @@
     </p:spTree>
     <p:extLst>
       <p:ext uri="{BB962C8B-B14F-4D97-AF65-F5344CB8AC3E}">
-        <p14:creationId xmlns:p14="http://schemas.microsoft.com/office/powerpoint/2010/main" val="3812885784"/>
+        <p14:creationId xmlns:p14="http://schemas.microsoft.com/office/powerpoint/2010/main" val="1757766323"/>
       </p:ext>
     </p:extLst>
   </p:cSld>
@@ -50597,9 +50669,20 @@
             </a:r>
             <a:r>
               <a:rPr lang="es-ES" sz="3600" dirty="0" err="1"/>
-              <a:t>diff</a:t>
-            </a:r>
-            <a:endParaRPr lang="es-ES" sz="3600" dirty="0"/>
+              <a:t>commit</a:t>
+            </a:r>
+            <a:r>
+              <a:rPr lang="es-ES" sz="3600" dirty="0"/>
+              <a:t> -m "Mensaje del </a:t>
+            </a:r>
+            <a:r>
+              <a:rPr lang="es-ES" sz="3600" dirty="0" err="1"/>
+              <a:t>commit</a:t>
+            </a:r>
+            <a:r>
+              <a:rPr lang="es-ES" sz="3600" dirty="0"/>
+              <a:t>"</a:t>
+            </a:r>
           </a:p>
           <a:p>
             <a:pPr marL="0" indent="0">
@@ -50613,37 +50696,33 @@
             </a:pPr>
             <a:r>
               <a:rPr lang="es-ES" dirty="0"/>
-              <a:t>	Permite ver qué modificaciones ha sufrido el repositorio local con respecto a los 	archivos presentes en el </a:t>
-            </a:r>
-            <a:r>
-              <a:rPr lang="es-ES" dirty="0" err="1"/>
-              <a:t>workspace</a:t>
-            </a:r>
-            <a:endParaRPr lang="es-ES" dirty="0"/>
-          </a:p>
-          <a:p>
-            <a:pPr marL="0" indent="0">
-              <a:buNone/>
-            </a:pPr>
-            <a:endParaRPr lang="es-ES" dirty="0"/>
-          </a:p>
-          <a:p>
-            <a:pPr marL="0" indent="0">
-              <a:buNone/>
-            </a:pPr>
+              <a:t>	Permite pasar del </a:t>
+            </a:r>
+            <a:r>
+              <a:rPr lang="es-ES" b="1" i="1" dirty="0" err="1"/>
+              <a:t>stage</a:t>
+            </a:r>
+            <a:r>
+              <a:rPr lang="es-ES" b="1" i="1" dirty="0"/>
+              <a:t> </a:t>
+            </a:r>
+            <a:r>
+              <a:rPr lang="es-ES" b="1" i="1" dirty="0" err="1"/>
+              <a:t>area</a:t>
+            </a:r>
             <a:r>
               <a:rPr lang="es-ES" dirty="0"/>
-              <a:t>		En menos(-) están las líneas que se eliminaron</a:t>
-            </a:r>
-          </a:p>
-          <a:p>
-            <a:pPr marL="0" indent="0">
-              <a:buNone/>
-            </a:pPr>
-            <a:r>
-              <a:rPr lang="es-ES" dirty="0"/>
-              <a:t>		En más (+) están las líneas que se agregaron</a:t>
-            </a:r>
+              <a:t> al </a:t>
+            </a:r>
+            <a:r>
+              <a:rPr lang="es-ES" b="1" i="1" dirty="0"/>
+              <a:t>local </a:t>
+            </a:r>
+            <a:r>
+              <a:rPr lang="es-ES" b="1" i="1" dirty="0" err="1"/>
+              <a:t>repository</a:t>
+            </a:r>
+            <a:endParaRPr lang="es-ES" b="1" i="1" dirty="0"/>
           </a:p>
           <a:p>
             <a:pPr marL="0" indent="0">
@@ -50709,7 +50788,7 @@
     </p:spTree>
     <p:extLst>
       <p:ext uri="{BB962C8B-B14F-4D97-AF65-F5344CB8AC3E}">
-        <p14:creationId xmlns:p14="http://schemas.microsoft.com/office/powerpoint/2010/main" val="2074410650"/>
+        <p14:creationId xmlns:p14="http://schemas.microsoft.com/office/powerpoint/2010/main" val="3812885784"/>
       </p:ext>
     </p:extLst>
   </p:cSld>
@@ -50787,12 +50866,9 @@
             </a:r>
             <a:r>
               <a:rPr lang="es-ES" sz="3600" dirty="0" err="1"/>
-              <a:t>checkout</a:t>
-            </a:r>
-            <a:r>
-              <a:rPr lang="es-ES" sz="3600" dirty="0"/>
-              <a:t> .</a:t>
-            </a:r>
+              <a:t>diff</a:t>
+            </a:r>
+            <a:endParaRPr lang="es-ES" sz="3600" dirty="0"/>
           </a:p>
           <a:p>
             <a:pPr marL="0" indent="0">
@@ -50806,29 +50882,48 @@
             </a:pPr>
             <a:r>
               <a:rPr lang="es-ES" dirty="0"/>
-              <a:t>	Permite poner en el </a:t>
+              <a:t>	Permite ver qué modificaciones ha sufrido el repositorio local con respecto a los 	archivos presentes en el </a:t>
             </a:r>
             <a:r>
               <a:rPr lang="es-ES" dirty="0" err="1"/>
               <a:t>workspace</a:t>
             </a:r>
-            <a:r>
-              <a:rPr lang="es-ES" dirty="0"/>
-              <a:t> la última versión presente en el repositorio local.</a:t>
-            </a:r>
+            <a:endParaRPr lang="es-ES" dirty="0"/>
           </a:p>
           <a:p>
             <a:pPr marL="0" indent="0">
               <a:buNone/>
             </a:pPr>
+            <a:endParaRPr lang="es-ES" dirty="0"/>
+          </a:p>
+          <a:p>
+            <a:pPr marL="0" indent="0">
+              <a:buNone/>
+            </a:pPr>
             <a:r>
               <a:rPr lang="es-ES" dirty="0"/>
-              <a:t>	Se usa para deshacer un cambio y regresar a la versión del último </a:t>
-            </a:r>
-            <a:r>
-              <a:rPr lang="es-ES" dirty="0" err="1"/>
-              <a:t>commit</a:t>
-            </a:r>
+              <a:t>		En menos(-) están las líneas que se eliminaron</a:t>
+            </a:r>
+          </a:p>
+          <a:p>
+            <a:pPr marL="0" indent="0">
+              <a:buNone/>
+            </a:pPr>
+            <a:r>
+              <a:rPr lang="es-ES" dirty="0"/>
+              <a:t>		En más (+) están las líneas que se agregaron</a:t>
+            </a:r>
+          </a:p>
+          <a:p>
+            <a:pPr marL="0" indent="0">
+              <a:buNone/>
+            </a:pPr>
+            <a:endParaRPr lang="es-ES" dirty="0"/>
+          </a:p>
+          <a:p>
+            <a:pPr marL="0" indent="0">
+              <a:buNone/>
+            </a:pPr>
             <a:endParaRPr lang="es-ES" dirty="0"/>
           </a:p>
           <a:p>
@@ -50883,7 +50978,7 @@
     </p:spTree>
     <p:extLst>
       <p:ext uri="{BB962C8B-B14F-4D97-AF65-F5344CB8AC3E}">
-        <p14:creationId xmlns:p14="http://schemas.microsoft.com/office/powerpoint/2010/main" val="2238992863"/>
+        <p14:creationId xmlns:p14="http://schemas.microsoft.com/office/powerpoint/2010/main" val="2074410650"/>
       </p:ext>
     </p:extLst>
   </p:cSld>
@@ -50957,7 +51052,15 @@
             </a:r>
             <a:r>
               <a:rPr lang="es-ES" sz="3600" dirty="0"/>
-              <a:t> log</a:t>
+              <a:t> </a:t>
+            </a:r>
+            <a:r>
+              <a:rPr lang="es-ES" sz="3600" dirty="0" err="1"/>
+              <a:t>checkout</a:t>
+            </a:r>
+            <a:r>
+              <a:rPr lang="es-ES" sz="3600" dirty="0"/>
+              <a:t> .</a:t>
             </a:r>
           </a:p>
           <a:p>
@@ -50972,16 +51075,30 @@
             </a:pPr>
             <a:r>
               <a:rPr lang="es-ES" dirty="0"/>
-              <a:t>	Muestra los </a:t>
+              <a:t>	Permite poner en el </a:t>
             </a:r>
             <a:r>
               <a:rPr lang="es-ES" dirty="0" err="1"/>
-              <a:t>commits</a:t>
+              <a:t>workspace</a:t>
             </a:r>
             <a:r>
               <a:rPr lang="es-ES" dirty="0"/>
-              <a:t> hechos en el repositorio</a:t>
-            </a:r>
+              <a:t> la última versión presente en el repositorio local.</a:t>
+            </a:r>
+          </a:p>
+          <a:p>
+            <a:pPr marL="0" indent="0">
+              <a:buNone/>
+            </a:pPr>
+            <a:r>
+              <a:rPr lang="es-ES" dirty="0"/>
+              <a:t>	Se usa para deshacer un cambio y regresar a la versión del último </a:t>
+            </a:r>
+            <a:r>
+              <a:rPr lang="es-ES" dirty="0" err="1"/>
+              <a:t>commit</a:t>
+            </a:r>
+            <a:endParaRPr lang="es-ES" dirty="0"/>
           </a:p>
           <a:p>
             <a:pPr marL="0" indent="0">
@@ -51035,7 +51152,7 @@
     </p:spTree>
     <p:extLst>
       <p:ext uri="{BB962C8B-B14F-4D97-AF65-F5344CB8AC3E}">
-        <p14:creationId xmlns:p14="http://schemas.microsoft.com/office/powerpoint/2010/main" val="1692166605"/>
+        <p14:creationId xmlns:p14="http://schemas.microsoft.com/office/powerpoint/2010/main" val="2238992863"/>
       </p:ext>
     </p:extLst>
   </p:cSld>
@@ -51109,37 +51226,8 @@
             </a:r>
             <a:r>
               <a:rPr lang="es-ES" sz="3600" dirty="0"/>
-              <a:t> log --</a:t>
-            </a:r>
-            <a:r>
-              <a:rPr lang="es-ES" sz="3600" dirty="0" err="1"/>
-              <a:t>all</a:t>
-            </a:r>
-            <a:r>
-              <a:rPr lang="es-ES" sz="3600" dirty="0"/>
-              <a:t> --</a:t>
-            </a:r>
-            <a:r>
-              <a:rPr lang="es-ES" sz="3600" dirty="0" err="1"/>
-              <a:t>oneline</a:t>
-            </a:r>
-            <a:r>
-              <a:rPr lang="es-ES" sz="3600" dirty="0"/>
-              <a:t> --</a:t>
-            </a:r>
-            <a:r>
-              <a:rPr lang="es-ES" sz="3600" dirty="0" err="1"/>
-              <a:t>decorate</a:t>
-            </a:r>
-            <a:r>
-              <a:rPr lang="es-ES" sz="3600" dirty="0"/>
-              <a:t> --</a:t>
-            </a:r>
-            <a:r>
-              <a:rPr lang="es-ES" sz="3600" dirty="0" err="1"/>
-              <a:t>graph</a:t>
-            </a:r>
-            <a:endParaRPr lang="es-ES" sz="3600" dirty="0"/>
+              <a:t> log</a:t>
+            </a:r>
           </a:p>
           <a:p>
             <a:pPr marL="0" indent="0">
@@ -51153,7 +51241,7 @@
             </a:pPr>
             <a:r>
               <a:rPr lang="es-ES" dirty="0"/>
-              <a:t>	Muestra el histórico de </a:t>
+              <a:t>	Muestra los </a:t>
             </a:r>
             <a:r>
               <a:rPr lang="es-ES" dirty="0" err="1"/>
@@ -51161,7 +51249,7 @@
             </a:r>
             <a:r>
               <a:rPr lang="es-ES" dirty="0"/>
-              <a:t> de una forma más gráfica</a:t>
+              <a:t> hechos en el repositorio</a:t>
             </a:r>
           </a:p>
           <a:p>
@@ -51216,7 +51304,7 @@
     </p:spTree>
     <p:extLst>
       <p:ext uri="{BB962C8B-B14F-4D97-AF65-F5344CB8AC3E}">
-        <p14:creationId xmlns:p14="http://schemas.microsoft.com/office/powerpoint/2010/main" val="755685867"/>
+        <p14:creationId xmlns:p14="http://schemas.microsoft.com/office/powerpoint/2010/main" val="1692166605"/>
       </p:ext>
     </p:extLst>
   </p:cSld>
@@ -51290,11 +51378,11 @@
             </a:r>
             <a:r>
               <a:rPr lang="es-ES" sz="3600" dirty="0"/>
-              <a:t> </a:t>
+              <a:t> log --</a:t>
             </a:r>
             <a:r>
               <a:rPr lang="es-ES" sz="3600" dirty="0" err="1"/>
-              <a:t>commit</a:t>
+              <a:t>all</a:t>
             </a:r>
             <a:r>
               <a:rPr lang="es-ES" sz="3600" dirty="0"/>
@@ -51302,12 +51390,25 @@
             </a:r>
             <a:r>
               <a:rPr lang="es-ES" sz="3600" dirty="0" err="1"/>
-              <a:t>amend</a:t>
+              <a:t>oneline</a:t>
             </a:r>
             <a:r>
               <a:rPr lang="es-ES" sz="3600" dirty="0"/>
-              <a:t> -m "Mensaje de rectificación"</a:t>
-            </a:r>
+              <a:t> --</a:t>
+            </a:r>
+            <a:r>
+              <a:rPr lang="es-ES" sz="3600" dirty="0" err="1"/>
+              <a:t>decorate</a:t>
+            </a:r>
+            <a:r>
+              <a:rPr lang="es-ES" sz="3600" dirty="0"/>
+              <a:t> --</a:t>
+            </a:r>
+            <a:r>
+              <a:rPr lang="es-ES" sz="3600" dirty="0" err="1"/>
+              <a:t>graph</a:t>
+            </a:r>
+            <a:endParaRPr lang="es-ES" sz="3600" dirty="0"/>
           </a:p>
           <a:p>
             <a:pPr marL="0" indent="0">
@@ -51321,16 +51422,21 @@
             </a:pPr>
             <a:r>
               <a:rPr lang="es-ES" dirty="0"/>
-              <a:t>	Si nos equivocamos en el mensaje del último </a:t>
+              <a:t>	Muestra el histórico de </a:t>
             </a:r>
             <a:r>
               <a:rPr lang="es-ES" dirty="0" err="1"/>
-              <a:t>commit</a:t>
+              <a:t>commits</a:t>
             </a:r>
             <a:r>
               <a:rPr lang="es-ES" dirty="0"/>
-              <a:t>, podemos hacer una rectificación 	mediante el comando</a:t>
-            </a:r>
+              <a:t> de una forma más gráfica</a:t>
+            </a:r>
+          </a:p>
+          <a:p>
+            <a:pPr marL="0" indent="0">
+              <a:buNone/>
+            </a:pPr>
             <a:endParaRPr lang="es-CO" dirty="0"/>
           </a:p>
         </p:txBody>
@@ -51379,7 +51485,7 @@
     </p:spTree>
     <p:extLst>
       <p:ext uri="{BB962C8B-B14F-4D97-AF65-F5344CB8AC3E}">
-        <p14:creationId xmlns:p14="http://schemas.microsoft.com/office/powerpoint/2010/main" val="4015773789"/>
+        <p14:creationId xmlns:p14="http://schemas.microsoft.com/office/powerpoint/2010/main" val="755685867"/>
       </p:ext>
     </p:extLst>
   </p:cSld>
@@ -51578,7 +51684,23 @@
             </a:r>
             <a:r>
               <a:rPr lang="es-ES" sz="3600" dirty="0"/>
-              <a:t> mv &lt;Nombre actual&gt; &lt;Nombre nuevo&gt;</a:t>
+              <a:t> </a:t>
+            </a:r>
+            <a:r>
+              <a:rPr lang="es-ES" sz="3600" dirty="0" err="1"/>
+              <a:t>commit</a:t>
+            </a:r>
+            <a:r>
+              <a:rPr lang="es-ES" sz="3600" dirty="0"/>
+              <a:t> --</a:t>
+            </a:r>
+            <a:r>
+              <a:rPr lang="es-ES" sz="3600" dirty="0" err="1"/>
+              <a:t>amend</a:t>
+            </a:r>
+            <a:r>
+              <a:rPr lang="es-ES" sz="3600" dirty="0"/>
+              <a:t> -m "Mensaje de rectificación"</a:t>
             </a:r>
           </a:p>
           <a:p>
@@ -51593,22 +51715,15 @@
             </a:pPr>
             <a:r>
               <a:rPr lang="es-ES" dirty="0"/>
-              <a:t>	Renombrar un archivo usando el sistema de versión de control. Renombrarlo con el SO 	para GIT es como si hubiéramos eliminado el archivo y luego crear uno nuevo.</a:t>
-            </a:r>
-          </a:p>
-          <a:p>
-            <a:pPr marL="0" indent="0">
-              <a:buNone/>
-            </a:pPr>
-            <a:endParaRPr lang="es-ES" dirty="0"/>
-          </a:p>
-          <a:p>
-            <a:pPr marL="0" indent="0">
-              <a:buNone/>
-            </a:pPr>
+              <a:t>	Si nos equivocamos en el mensaje del último </a:t>
+            </a:r>
+            <a:r>
+              <a:rPr lang="es-ES" dirty="0" err="1"/>
+              <a:t>commit</a:t>
+            </a:r>
             <a:r>
               <a:rPr lang="es-ES" dirty="0"/>
-              <a:t>	Además permite hacer seguimiento de la historia del archivo a lo largo del tiempo.</a:t>
+              <a:t>, podemos hacer una rectificación 	mediante el comando</a:t>
             </a:r>
             <a:endParaRPr lang="es-CO" dirty="0"/>
           </a:p>
@@ -51658,7 +51773,7 @@
     </p:spTree>
     <p:extLst>
       <p:ext uri="{BB962C8B-B14F-4D97-AF65-F5344CB8AC3E}">
-        <p14:creationId xmlns:p14="http://schemas.microsoft.com/office/powerpoint/2010/main" val="1610703808"/>
+        <p14:creationId xmlns:p14="http://schemas.microsoft.com/office/powerpoint/2010/main" val="4015773789"/>
       </p:ext>
     </p:extLst>
   </p:cSld>
@@ -51732,15 +51847,7 @@
             </a:r>
             <a:r>
               <a:rPr lang="es-ES" sz="3600" dirty="0"/>
-              <a:t> </a:t>
-            </a:r>
-            <a:r>
-              <a:rPr lang="es-ES" sz="3600" dirty="0" err="1"/>
-              <a:t>rm</a:t>
-            </a:r>
-            <a:r>
-              <a:rPr lang="es-ES" sz="3600" dirty="0"/>
-              <a:t> &lt;Nombre archivo&gt;</a:t>
+              <a:t> mv &lt;Nombre actual&gt; &lt;Nombre nuevo&gt;</a:t>
             </a:r>
           </a:p>
           <a:p>
@@ -51755,8 +51862,24 @@
             </a:pPr>
             <a:r>
               <a:rPr lang="es-ES" dirty="0"/>
-              <a:t>	Elimina un archivo mediante GIT. Permite hacer seguimiento de la eliminación de un 	archivo</a:t>
-            </a:r>
+              <a:t>	Renombrar un archivo usando el sistema de versión de control. Renombrarlo con el SO 	para GIT es como si hubiéramos eliminado el archivo y luego crear uno nuevo.</a:t>
+            </a:r>
+          </a:p>
+          <a:p>
+            <a:pPr marL="0" indent="0">
+              <a:buNone/>
+            </a:pPr>
+            <a:endParaRPr lang="es-ES" dirty="0"/>
+          </a:p>
+          <a:p>
+            <a:pPr marL="0" indent="0">
+              <a:buNone/>
+            </a:pPr>
+            <a:r>
+              <a:rPr lang="es-ES" dirty="0"/>
+              <a:t>	Además permite hacer seguimiento de la historia del archivo a lo largo del tiempo.</a:t>
+            </a:r>
+            <a:endParaRPr lang="es-CO" dirty="0"/>
           </a:p>
         </p:txBody>
       </p:sp>
@@ -51804,6 +51927,152 @@
     </p:spTree>
     <p:extLst>
       <p:ext uri="{BB962C8B-B14F-4D97-AF65-F5344CB8AC3E}">
+        <p14:creationId xmlns:p14="http://schemas.microsoft.com/office/powerpoint/2010/main" val="1610703808"/>
+      </p:ext>
+    </p:extLst>
+  </p:cSld>
+  <p:clrMapOvr>
+    <a:masterClrMapping/>
+  </p:clrMapOvr>
+</p:sld>
+</file>
+
+<file path=ppt/slides/slide62.xml><?xml version="1.0" encoding="utf-8"?>
+<p:sld xmlns:a="http://schemas.openxmlformats.org/drawingml/2006/main" xmlns:r="http://schemas.openxmlformats.org/officeDocument/2006/relationships" xmlns:p="http://schemas.openxmlformats.org/presentationml/2006/main">
+  <p:cSld>
+    <p:spTree>
+      <p:nvGrpSpPr>
+        <p:cNvPr id="1" name=""/>
+        <p:cNvGrpSpPr/>
+        <p:nvPr/>
+      </p:nvGrpSpPr>
+      <p:grpSpPr>
+        <a:xfrm>
+          <a:off x="0" y="0"/>
+          <a:ext cx="0" cy="0"/>
+          <a:chOff x="0" y="0"/>
+          <a:chExt cx="0" cy="0"/>
+        </a:xfrm>
+      </p:grpSpPr>
+      <p:sp>
+        <p:nvSpPr>
+          <p:cNvPr id="2" name="Título 1"/>
+          <p:cNvSpPr>
+            <a:spLocks noGrp="1"/>
+          </p:cNvSpPr>
+          <p:nvPr>
+            <p:ph type="title"/>
+          </p:nvPr>
+        </p:nvSpPr>
+        <p:spPr/>
+        <p:txBody>
+          <a:bodyPr/>
+          <a:lstStyle/>
+          <a:p>
+            <a:r>
+              <a:rPr lang="es-ES" dirty="0"/>
+              <a:t>Comandos básicos</a:t>
+            </a:r>
+            <a:endParaRPr lang="es-CO" dirty="0"/>
+          </a:p>
+        </p:txBody>
+      </p:sp>
+      <p:sp>
+        <p:nvSpPr>
+          <p:cNvPr id="3" name="Marcador de contenido 2"/>
+          <p:cNvSpPr>
+            <a:spLocks noGrp="1"/>
+          </p:cNvSpPr>
+          <p:nvPr>
+            <p:ph idx="1"/>
+          </p:nvPr>
+        </p:nvSpPr>
+        <p:spPr/>
+        <p:txBody>
+          <a:bodyPr/>
+          <a:lstStyle/>
+          <a:p>
+            <a:pPr marL="0" indent="0">
+              <a:buNone/>
+            </a:pPr>
+            <a:r>
+              <a:rPr lang="es-ES" sz="3600" b="1" dirty="0" err="1"/>
+              <a:t>git</a:t>
+            </a:r>
+            <a:r>
+              <a:rPr lang="es-ES" sz="3600" dirty="0"/>
+              <a:t> </a:t>
+            </a:r>
+            <a:r>
+              <a:rPr lang="es-ES" sz="3600" dirty="0" err="1"/>
+              <a:t>rm</a:t>
+            </a:r>
+            <a:r>
+              <a:rPr lang="es-ES" sz="3600" dirty="0"/>
+              <a:t> &lt;Nombre archivo&gt;</a:t>
+            </a:r>
+          </a:p>
+          <a:p>
+            <a:pPr marL="0" indent="0">
+              <a:buNone/>
+            </a:pPr>
+            <a:endParaRPr lang="es-ES" dirty="0"/>
+          </a:p>
+          <a:p>
+            <a:pPr marL="0" indent="0">
+              <a:buNone/>
+            </a:pPr>
+            <a:r>
+              <a:rPr lang="es-ES" dirty="0"/>
+              <a:t>	Elimina un archivo mediante GIT. Permite hacer seguimiento de la eliminación de un 	archivo</a:t>
+            </a:r>
+          </a:p>
+        </p:txBody>
+      </p:sp>
+      <p:pic>
+        <p:nvPicPr>
+          <p:cNvPr id="4" name="Picture 2" descr="Resultado de imagen de git logo&quot;"/>
+          <p:cNvPicPr>
+            <a:picLocks noChangeAspect="1" noChangeArrowheads="1"/>
+          </p:cNvPicPr>
+          <p:nvPr/>
+        </p:nvPicPr>
+        <p:blipFill>
+          <a:blip r:embed="rId2">
+            <a:extLst>
+              <a:ext uri="{28A0092B-C50C-407E-A947-70E740481C1C}">
+                <a14:useLocalDpi xmlns:a14="http://schemas.microsoft.com/office/drawing/2010/main" val="0"/>
+              </a:ext>
+            </a:extLst>
+          </a:blip>
+          <a:srcRect/>
+          <a:stretch>
+            <a:fillRect/>
+          </a:stretch>
+        </p:blipFill>
+        <p:spPr bwMode="auto">
+          <a:xfrm>
+            <a:off x="167140" y="6426100"/>
+            <a:ext cx="932911" cy="389567"/>
+          </a:xfrm>
+          <a:prstGeom prst="rect">
+            <a:avLst/>
+          </a:prstGeom>
+          <a:noFill/>
+          <a:extLst>
+            <a:ext uri="{909E8E84-426E-40DD-AFC4-6F175D3DCCD1}">
+              <a14:hiddenFill xmlns:a14="http://schemas.microsoft.com/office/drawing/2010/main">
+                <a:solidFill>
+                  <a:srgbClr val="FFFFFF"/>
+                </a:solidFill>
+              </a14:hiddenFill>
+            </a:ext>
+          </a:extLst>
+        </p:spPr>
+      </p:pic>
+    </p:spTree>
+    <p:extLst>
+      <p:ext uri="{BB962C8B-B14F-4D97-AF65-F5344CB8AC3E}">
         <p14:creationId xmlns:p14="http://schemas.microsoft.com/office/powerpoint/2010/main" val="1178270471"/>
       </p:ext>
     </p:extLst>
@@ -51814,7 +52083,7 @@
 </p:sld>
 </file>
 
-<file path=ppt/slides/slide62.xml><?xml version="1.0" encoding="utf-8"?>
+<file path=ppt/slides/slide63.xml><?xml version="1.0" encoding="utf-8"?>
 <p:sld xmlns:a="http://schemas.openxmlformats.org/drawingml/2006/main" xmlns:r="http://schemas.openxmlformats.org/officeDocument/2006/relationships" xmlns:p="http://schemas.openxmlformats.org/presentationml/2006/main">
   <p:cSld>
     <p:spTree>
